--- a/汇报II/汇报ZoeDepth.pptx
+++ b/汇报II/汇报ZoeDepth.pptx
@@ -381,7 +381,7 @@
           <a:p>
             <a:fld id="{06C3901B-F6E5-4507-8032-26DBA18E7066}" type="datetimeFigureOut">
               <a:rPr lang="zh-CN" altLang="en-US" smtClean="0"/>
-              <a:t>2024/12/3</a:t>
+              <a:t>2024/12/6</a:t>
             </a:fld>
             <a:endParaRPr lang="zh-CN" altLang="en-US"/>
           </a:p>
@@ -16190,7 +16190,7 @@
             </a:r>
             <a:r>
               <a:rPr lang="zh-CN" altLang="en-US" dirty="0"/>
-              <a:t>模块的特征块（来自编码器的瓶颈特征和解码器各尺度的特征）首先会传递到</a:t>
+              <a:t>模块的特征图（来自编码器的瓶颈特征和解码器各尺度的特征）首先会传递到</a:t>
             </a:r>
             <a:r>
               <a:rPr lang="en-US" altLang="zh-CN" dirty="0"/>
@@ -16280,6 +16280,141 @@
             <a:avLst>
               <a:gd name="adj1" fmla="val 115603"/>
             </a:avLst>
+          </a:prstGeom>
+          <a:ln w="9525" cap="flat" cmpd="sng" algn="ctr">
+            <a:solidFill>
+              <a:schemeClr val="dk1"/>
+            </a:solidFill>
+            <a:prstDash val="solid"/>
+            <a:round/>
+            <a:headEnd type="none" w="med" len="med"/>
+            <a:tailEnd type="arrow" w="med" len="med"/>
+          </a:ln>
+        </p:spPr>
+        <p:style>
+          <a:lnRef idx="0">
+            <a:scrgbClr r="0" g="0" b="0"/>
+          </a:lnRef>
+          <a:fillRef idx="0">
+            <a:scrgbClr r="0" g="0" b="0"/>
+          </a:fillRef>
+          <a:effectRef idx="0">
+            <a:scrgbClr r="0" g="0" b="0"/>
+          </a:effectRef>
+          <a:fontRef idx="minor">
+            <a:schemeClr val="tx1"/>
+          </a:fontRef>
+        </p:style>
+      </p:cxnSp>
+      <p:pic>
+        <p:nvPicPr>
+          <p:cNvPr id="21" name="图片 20">
+            <a:extLst>
+              <a:ext uri="{FF2B5EF4-FFF2-40B4-BE49-F238E27FC236}">
+                <a16:creationId xmlns:a16="http://schemas.microsoft.com/office/drawing/2014/main" id="{E1312538-DC21-2502-7E44-4B14716A81B7}"/>
+              </a:ext>
+            </a:extLst>
+          </p:cNvPr>
+          <p:cNvPicPr>
+            <a:picLocks noChangeAspect="1"/>
+          </p:cNvPicPr>
+          <p:nvPr/>
+        </p:nvPicPr>
+        <p:blipFill>
+          <a:blip r:embed="rId3"/>
+          <a:stretch>
+            <a:fillRect/>
+          </a:stretch>
+        </p:blipFill>
+        <p:spPr>
+          <a:xfrm>
+            <a:off x="7430660" y="5685418"/>
+            <a:ext cx="1599827" cy="965770"/>
+          </a:xfrm>
+          <a:prstGeom prst="rect">
+            <a:avLst/>
+          </a:prstGeom>
+        </p:spPr>
+      </p:pic>
+      <p:sp>
+        <p:nvSpPr>
+          <p:cNvPr id="25" name="矩形 24">
+            <a:extLst>
+              <a:ext uri="{FF2B5EF4-FFF2-40B4-BE49-F238E27FC236}">
+                <a16:creationId xmlns:a16="http://schemas.microsoft.com/office/drawing/2014/main" id="{AEDFA98B-7BD2-B8E5-A097-B0C905AC2748}"/>
+              </a:ext>
+            </a:extLst>
+          </p:cNvPr>
+          <p:cNvSpPr/>
+          <p:nvPr/>
+        </p:nvSpPr>
+        <p:spPr>
+          <a:xfrm>
+            <a:off x="6423838" y="5622699"/>
+            <a:ext cx="839792" cy="338365"/>
+          </a:xfrm>
+          <a:prstGeom prst="rect">
+            <a:avLst/>
+          </a:prstGeom>
+          <a:noFill/>
+          <a:ln w="19050">
+            <a:solidFill>
+              <a:srgbClr val="257D8B"/>
+            </a:solidFill>
+            <a:prstDash val="dash"/>
+          </a:ln>
+        </p:spPr>
+        <p:style>
+          <a:lnRef idx="2">
+            <a:schemeClr val="accent1">
+              <a:shade val="15000"/>
+            </a:schemeClr>
+          </a:lnRef>
+          <a:fillRef idx="1">
+            <a:schemeClr val="accent1"/>
+          </a:fillRef>
+          <a:effectRef idx="0">
+            <a:schemeClr val="accent1"/>
+          </a:effectRef>
+          <a:fontRef idx="minor">
+            <a:schemeClr val="lt1"/>
+          </a:fontRef>
+        </p:style>
+        <p:txBody>
+          <a:bodyPr rtlCol="0" anchor="ctr"/>
+          <a:lstStyle/>
+          <a:p>
+            <a:pPr algn="ctr"/>
+            <a:r>
+              <a:rPr lang="en-US" altLang="zh-CN" dirty="0"/>
+              <a:t> </a:t>
+            </a:r>
+            <a:endParaRPr lang="zh-CN" altLang="en-US" dirty="0"/>
+          </a:p>
+        </p:txBody>
+      </p:sp>
+      <p:cxnSp>
+        <p:nvCxnSpPr>
+          <p:cNvPr id="33" name="连接符: 肘形 32">
+            <a:extLst>
+              <a:ext uri="{FF2B5EF4-FFF2-40B4-BE49-F238E27FC236}">
+                <a16:creationId xmlns:a16="http://schemas.microsoft.com/office/drawing/2014/main" id="{2B3F1F38-C680-3307-5EAC-25B7191F67F4}"/>
+              </a:ext>
+            </a:extLst>
+          </p:cNvPr>
+          <p:cNvCxnSpPr>
+            <a:cxnSpLocks/>
+            <a:stCxn id="25" idx="2"/>
+          </p:cNvCxnSpPr>
+          <p:nvPr/>
+        </p:nvCxnSpPr>
+        <p:spPr>
+          <a:xfrm rot="16200000" flipH="1">
+            <a:off x="7115865" y="5688932"/>
+            <a:ext cx="204789" cy="749051"/>
+          </a:xfrm>
+          <a:prstGeom prst="bentConnector2">
+            <a:avLst/>
           </a:prstGeom>
           <a:ln w="9525" cap="flat" cmpd="sng" algn="ctr">
             <a:solidFill>
@@ -16447,6 +16582,129 @@
                       </p:childTnLst>
                     </p:cTn>
                   </p:par>
+                  <p:par>
+                    <p:cTn id="14" fill="hold">
+                      <p:stCondLst>
+                        <p:cond delay="indefinite"/>
+                      </p:stCondLst>
+                      <p:childTnLst>
+                        <p:par>
+                          <p:cTn id="15" fill="hold">
+                            <p:stCondLst>
+                              <p:cond delay="0"/>
+                            </p:stCondLst>
+                            <p:childTnLst>
+                              <p:par>
+                                <p:cTn id="16" presetID="10" presetClass="entr" presetSubtype="0" fill="hold" grpId="0" nodeType="clickEffect">
+                                  <p:stCondLst>
+                                    <p:cond delay="0"/>
+                                  </p:stCondLst>
+                                  <p:childTnLst>
+                                    <p:set>
+                                      <p:cBhvr>
+                                        <p:cTn id="17" dur="1" fill="hold">
+                                          <p:stCondLst>
+                                            <p:cond delay="0"/>
+                                          </p:stCondLst>
+                                        </p:cTn>
+                                        <p:tgtEl>
+                                          <p:spTgt spid="25"/>
+                                        </p:tgtEl>
+                                        <p:attrNameLst>
+                                          <p:attrName>style.visibility</p:attrName>
+                                        </p:attrNameLst>
+                                      </p:cBhvr>
+                                      <p:to>
+                                        <p:strVal val="visible"/>
+                                      </p:to>
+                                    </p:set>
+                                    <p:animEffect transition="in" filter="fade">
+                                      <p:cBhvr>
+                                        <p:cTn id="18" dur="500"/>
+                                        <p:tgtEl>
+                                          <p:spTgt spid="25"/>
+                                        </p:tgtEl>
+                                      </p:cBhvr>
+                                    </p:animEffect>
+                                  </p:childTnLst>
+                                </p:cTn>
+                              </p:par>
+                              <p:par>
+                                <p:cTn id="19" presetID="10" presetClass="entr" presetSubtype="0" fill="hold" nodeType="withEffect">
+                                  <p:stCondLst>
+                                    <p:cond delay="0"/>
+                                  </p:stCondLst>
+                                  <p:childTnLst>
+                                    <p:set>
+                                      <p:cBhvr>
+                                        <p:cTn id="20" dur="1" fill="hold">
+                                          <p:stCondLst>
+                                            <p:cond delay="0"/>
+                                          </p:stCondLst>
+                                        </p:cTn>
+                                        <p:tgtEl>
+                                          <p:spTgt spid="33"/>
+                                        </p:tgtEl>
+                                        <p:attrNameLst>
+                                          <p:attrName>style.visibility</p:attrName>
+                                        </p:attrNameLst>
+                                      </p:cBhvr>
+                                      <p:to>
+                                        <p:strVal val="visible"/>
+                                      </p:to>
+                                    </p:set>
+                                    <p:animEffect transition="in" filter="fade">
+                                      <p:cBhvr>
+                                        <p:cTn id="21" dur="500"/>
+                                        <p:tgtEl>
+                                          <p:spTgt spid="33"/>
+                                        </p:tgtEl>
+                                      </p:cBhvr>
+                                    </p:animEffect>
+                                  </p:childTnLst>
+                                </p:cTn>
+                              </p:par>
+                              <p:par>
+                                <p:cTn id="22" presetID="10" presetClass="entr" presetSubtype="0" fill="hold" nodeType="withEffect">
+                                  <p:stCondLst>
+                                    <p:cond delay="0"/>
+                                  </p:stCondLst>
+                                  <p:childTnLst>
+                                    <p:set>
+                                      <p:cBhvr>
+                                        <p:cTn id="23" dur="1" fill="hold">
+                                          <p:stCondLst>
+                                            <p:cond delay="0"/>
+                                          </p:stCondLst>
+                                        </p:cTn>
+                                        <p:tgtEl>
+                                          <p:spTgt spid="21"/>
+                                        </p:tgtEl>
+                                        <p:attrNameLst>
+                                          <p:attrName>style.visibility</p:attrName>
+                                        </p:attrNameLst>
+                                      </p:cBhvr>
+                                      <p:to>
+                                        <p:strVal val="visible"/>
+                                      </p:to>
+                                    </p:set>
+                                    <p:animEffect transition="in" filter="fade">
+                                      <p:cBhvr>
+                                        <p:cTn id="24" dur="500"/>
+                                        <p:tgtEl>
+                                          <p:spTgt spid="21"/>
+                                        </p:tgtEl>
+                                      </p:cBhvr>
+                                    </p:animEffect>
+                                  </p:childTnLst>
+                                </p:cTn>
+                              </p:par>
+                            </p:childTnLst>
+                          </p:cTn>
+                        </p:par>
+                      </p:childTnLst>
+                    </p:cTn>
+                  </p:par>
                 </p:childTnLst>
               </p:cTn>
               <p:prevCondLst>
@@ -16471,6 +16729,7 @@
     <p:bldLst>
       <p:bldP spid="136" grpId="0" animBg="1"/>
       <p:bldP spid="137" grpId="0"/>
+      <p:bldP spid="25" grpId="0" animBg="1"/>
     </p:bldLst>
   </p:timing>
 </p:sld>
